--- a/SE2020-G02-设计阶段/设计0.3.3.pptx
+++ b/SE2020-G02-设计阶段/设计0.3.3.pptx
@@ -8119,7 +8119,7 @@
       <p:sp>
         <p:nvSpPr>
           <p:cNvPr id="3" name="文本框 2">
-            <a:hlinkClick r:id="rId2" tooltip="" action="ppaction://hlinkfile"/>
+            <a:hlinkClick r:id="rId2" action="ppaction://hlinkfile"/>
           </p:cNvPr>
           <p:cNvSpPr txBox="1"/>
           <p:nvPr/>
@@ -8293,7 +8293,7 @@
       <p:sp>
         <p:nvSpPr>
           <p:cNvPr id="3" name="文本框 2">
-            <a:hlinkClick r:id="rId2" tooltip="" action="ppaction://hlinkfile"/>
+            <a:hlinkClick r:id="rId2" action="ppaction://hlinkfile"/>
           </p:cNvPr>
           <p:cNvSpPr txBox="1"/>
           <p:nvPr/>
@@ -8467,7 +8467,7 @@
       <p:sp>
         <p:nvSpPr>
           <p:cNvPr id="3" name="文本框 2">
-            <a:hlinkClick r:id="rId2" tooltip="" action="ppaction://hlinkfile"/>
+            <a:hlinkClick r:id="rId2" action="ppaction://hlinkfile"/>
           </p:cNvPr>
           <p:cNvSpPr txBox="1"/>
           <p:nvPr/>
@@ -14255,7 +14255,7 @@
       <p:sp>
         <p:nvSpPr>
           <p:cNvPr id="3" name="文本框 2">
-            <a:hlinkClick r:id="rId2" tooltip="" action="ppaction://hlinkfile"/>
+            <a:hlinkClick r:id="rId2" action="ppaction://hlinkfile"/>
           </p:cNvPr>
           <p:cNvSpPr txBox="1"/>
           <p:nvPr/>
@@ -15761,7 +15761,7 @@
       </p:sp>
       <p:pic>
         <p:nvPicPr>
-          <p:cNvPr id="6" name="图片 5"/>
+          <p:cNvPr id="2" name="图片 1"/>
           <p:cNvPicPr>
             <a:picLocks noChangeAspect="1"/>
           </p:cNvPicPr>
@@ -15769,14 +15769,15 @@
         </p:nvPicPr>
         <p:blipFill>
           <a:blip r:embed="rId1"/>
+          <a:srcRect b="933"/>
           <a:stretch>
             <a:fillRect/>
           </a:stretch>
         </p:blipFill>
         <p:spPr>
           <a:xfrm>
-            <a:off x="0" y="785495"/>
-            <a:ext cx="9144635" cy="4358005"/>
+            <a:off x="0" y="678180"/>
+            <a:ext cx="9143365" cy="4317365"/>
           </a:xfrm>
           <a:prstGeom prst="rect">
             <a:avLst/>
